--- a/Employee_Data_Analysis_2 (1) (1).pptx
+++ b/Employee_Data_Analysis_2 (1) (1).pptx
@@ -424,7 +424,7 @@
     </p:spTree>
     <p:extLst>
       <p:ext uri="{BB962C8B-B14F-4D97-AF65-F5344CB8AC3E}">
-        <p14:creationId xmlns:p14="http://schemas.microsoft.com/office/powerpoint/2010/main" val="445010083"/>
+        <p14:creationId xmlns:p14="http://schemas.microsoft.com/office/powerpoint/2010/main" val="1088313020"/>
       </p:ext>
     </p:extLst>
   </p:cSld>
@@ -748,7 +748,7 @@
     </p:spTree>
     <p:extLst>
       <p:ext uri="{BB962C8B-B14F-4D97-AF65-F5344CB8AC3E}">
-        <p14:creationId xmlns:p14="http://schemas.microsoft.com/office/powerpoint/2010/main" val="1306265117"/>
+        <p14:creationId xmlns:p14="http://schemas.microsoft.com/office/powerpoint/2010/main" val="1741241234"/>
       </p:ext>
     </p:extLst>
   </p:cSld>
@@ -891,7 +891,7 @@
     </p:spTree>
     <p:extLst>
       <p:ext uri="{BB962C8B-B14F-4D97-AF65-F5344CB8AC3E}">
-        <p14:creationId xmlns:p14="http://schemas.microsoft.com/office/powerpoint/2010/main" val="506790399"/>
+        <p14:creationId xmlns:p14="http://schemas.microsoft.com/office/powerpoint/2010/main" val="400519553"/>
       </p:ext>
     </p:extLst>
   </p:cSld>
@@ -976,7 +976,7 @@
       </p:sp>
       <p:sp>
         <p:nvSpPr>
-          <p:cNvPr id="197" name="对象"/>
+          <p:cNvPr id="199" name="对象"/>
           <p:cNvSpPr>
             <a:spLocks noGrp="1"/>
           </p:cNvSpPr>
@@ -1000,7 +1000,7 @@
       </p:sp>
       <p:sp>
         <p:nvSpPr>
-          <p:cNvPr id="198" name="文本框"/>
+          <p:cNvPr id="200" name="文本框"/>
           <p:cNvSpPr>
             <a:spLocks noGrp="1"/>
           </p:cNvSpPr>
@@ -1034,7 +1034,7 @@
     </p:spTree>
     <p:extLst>
       <p:ext uri="{BB962C8B-B14F-4D97-AF65-F5344CB8AC3E}">
-        <p14:creationId xmlns:p14="http://schemas.microsoft.com/office/powerpoint/2010/main" val="78748164"/>
+        <p14:creationId xmlns:p14="http://schemas.microsoft.com/office/powerpoint/2010/main" val="1481790593"/>
       </p:ext>
     </p:extLst>
   </p:cSld>
@@ -1119,7 +1119,7 @@
       </p:sp>
       <p:sp>
         <p:nvSpPr>
-          <p:cNvPr id="200" name="对象"/>
+          <p:cNvPr id="202" name="对象"/>
           <p:cNvSpPr>
             <a:spLocks noGrp="1"/>
           </p:cNvSpPr>
@@ -1143,7 +1143,7 @@
       </p:sp>
       <p:sp>
         <p:nvSpPr>
-          <p:cNvPr id="201" name="文本框"/>
+          <p:cNvPr id="203" name="文本框"/>
           <p:cNvSpPr>
             <a:spLocks noGrp="1"/>
           </p:cNvSpPr>
@@ -1177,7 +1177,7 @@
     </p:spTree>
     <p:extLst>
       <p:ext uri="{BB962C8B-B14F-4D97-AF65-F5344CB8AC3E}">
-        <p14:creationId xmlns:p14="http://schemas.microsoft.com/office/powerpoint/2010/main" val="107495501"/>
+        <p14:creationId xmlns:p14="http://schemas.microsoft.com/office/powerpoint/2010/main" val="565704552"/>
       </p:ext>
     </p:extLst>
   </p:cSld>
@@ -1320,7 +1320,7 @@
     </p:spTree>
     <p:extLst>
       <p:ext uri="{BB962C8B-B14F-4D97-AF65-F5344CB8AC3E}">
-        <p14:creationId xmlns:p14="http://schemas.microsoft.com/office/powerpoint/2010/main" val="1833476630"/>
+        <p14:creationId xmlns:p14="http://schemas.microsoft.com/office/powerpoint/2010/main" val="1053178521"/>
       </p:ext>
     </p:extLst>
   </p:cSld>
@@ -1463,7 +1463,7 @@
     </p:spTree>
     <p:extLst>
       <p:ext uri="{BB962C8B-B14F-4D97-AF65-F5344CB8AC3E}">
-        <p14:creationId xmlns:p14="http://schemas.microsoft.com/office/powerpoint/2010/main" val="952756959"/>
+        <p14:creationId xmlns:p14="http://schemas.microsoft.com/office/powerpoint/2010/main" val="1594623607"/>
       </p:ext>
     </p:extLst>
   </p:cSld>
@@ -1606,7 +1606,7 @@
     </p:spTree>
     <p:extLst>
       <p:ext uri="{BB962C8B-B14F-4D97-AF65-F5344CB8AC3E}">
-        <p14:creationId xmlns:p14="http://schemas.microsoft.com/office/powerpoint/2010/main" val="2105921105"/>
+        <p14:creationId xmlns:p14="http://schemas.microsoft.com/office/powerpoint/2010/main" val="1082943058"/>
       </p:ext>
     </p:extLst>
   </p:cSld>
@@ -1749,7 +1749,7 @@
     </p:spTree>
     <p:extLst>
       <p:ext uri="{BB962C8B-B14F-4D97-AF65-F5344CB8AC3E}">
-        <p14:creationId xmlns:p14="http://schemas.microsoft.com/office/powerpoint/2010/main" val="207870094"/>
+        <p14:creationId xmlns:p14="http://schemas.microsoft.com/office/powerpoint/2010/main" val="1587529875"/>
       </p:ext>
     </p:extLst>
   </p:cSld>
@@ -1892,7 +1892,7 @@
     </p:spTree>
     <p:extLst>
       <p:ext uri="{BB962C8B-B14F-4D97-AF65-F5344CB8AC3E}">
-        <p14:creationId xmlns:p14="http://schemas.microsoft.com/office/powerpoint/2010/main" val="484257625"/>
+        <p14:creationId xmlns:p14="http://schemas.microsoft.com/office/powerpoint/2010/main" val="987386778"/>
       </p:ext>
     </p:extLst>
   </p:cSld>
@@ -2035,7 +2035,7 @@
     </p:spTree>
     <p:extLst>
       <p:ext uri="{BB962C8B-B14F-4D97-AF65-F5344CB8AC3E}">
-        <p14:creationId xmlns:p14="http://schemas.microsoft.com/office/powerpoint/2010/main" val="73180384"/>
+        <p14:creationId xmlns:p14="http://schemas.microsoft.com/office/powerpoint/2010/main" val="72874174"/>
       </p:ext>
     </p:extLst>
   </p:cSld>
@@ -2178,7 +2178,7 @@
     </p:spTree>
     <p:extLst>
       <p:ext uri="{BB962C8B-B14F-4D97-AF65-F5344CB8AC3E}">
-        <p14:creationId xmlns:p14="http://schemas.microsoft.com/office/powerpoint/2010/main" val="1275702131"/>
+        <p14:creationId xmlns:p14="http://schemas.microsoft.com/office/powerpoint/2010/main" val="1477185528"/>
       </p:ext>
     </p:extLst>
   </p:cSld>
@@ -2321,7 +2321,7 @@
     </p:spTree>
     <p:extLst>
       <p:ext uri="{BB962C8B-B14F-4D97-AF65-F5344CB8AC3E}">
-        <p14:creationId xmlns:p14="http://schemas.microsoft.com/office/powerpoint/2010/main" val="594108489"/>
+        <p14:creationId xmlns:p14="http://schemas.microsoft.com/office/powerpoint/2010/main" val="1347253420"/>
       </p:ext>
     </p:extLst>
   </p:cSld>
@@ -2509,7 +2509,7 @@
     </p:spTree>
     <p:extLst>
       <p:ext uri="{BB962C8B-B14F-4D97-AF65-F5344CB8AC3E}">
-        <p14:creationId xmlns:p14="http://schemas.microsoft.com/office/powerpoint/2010/main" val="966008104"/>
+        <p14:creationId xmlns:p14="http://schemas.microsoft.com/office/powerpoint/2010/main" val="467758452"/>
       </p:ext>
     </p:extLst>
   </p:cSld>
@@ -2679,7 +2679,7 @@
     </p:spTree>
     <p:extLst>
       <p:ext uri="{BB962C8B-B14F-4D97-AF65-F5344CB8AC3E}">
-        <p14:creationId xmlns:p14="http://schemas.microsoft.com/office/powerpoint/2010/main" val="798172010"/>
+        <p14:creationId xmlns:p14="http://schemas.microsoft.com/office/powerpoint/2010/main" val="919323872"/>
       </p:ext>
     </p:extLst>
   </p:cSld>
@@ -2859,7 +2859,7 @@
     </p:spTree>
     <p:extLst>
       <p:ext uri="{BB962C8B-B14F-4D97-AF65-F5344CB8AC3E}">
-        <p14:creationId xmlns:p14="http://schemas.microsoft.com/office/powerpoint/2010/main" val="1389447303"/>
+        <p14:creationId xmlns:p14="http://schemas.microsoft.com/office/powerpoint/2010/main" val="382408674"/>
       </p:ext>
     </p:extLst>
   </p:cSld>
@@ -2920,7 +2920,7 @@
                   <a:pt x="0" y="0"/>
                 </a:moveTo>
                 <a:lnTo>
-                  <a:pt x="21596" y="21595"/>
+                  <a:pt x="21596" y="21594"/>
                 </a:lnTo>
               </a:path>
             </a:pathLst>
@@ -3055,7 +3055,7 @@
             <a:pathLst>
               <a:path w="21600" h="21600">
                 <a:moveTo>
-                  <a:pt x="21595" y="0"/>
+                  <a:pt x="21594" y="0"/>
                 </a:moveTo>
                 <a:lnTo>
                   <a:pt x="0" y="0"/>
@@ -3064,10 +3064,10 @@
                   <a:pt x="10083" y="21599"/>
                 </a:lnTo>
                 <a:lnTo>
-                  <a:pt x="21595" y="21599"/>
-                </a:lnTo>
-                <a:lnTo>
-                  <a:pt x="21595" y="0"/>
+                  <a:pt x="21594" y="21599"/>
+                </a:lnTo>
+                <a:lnTo>
+                  <a:pt x="21594" y="0"/>
                 </a:lnTo>
                 <a:close/>
               </a:path>
@@ -3621,7 +3621,7 @@
     </p:spTree>
     <p:extLst>
       <p:ext uri="{BB962C8B-B14F-4D97-AF65-F5344CB8AC3E}">
-        <p14:creationId xmlns:p14="http://schemas.microsoft.com/office/powerpoint/2010/main" val="1673035815"/>
+        <p14:creationId xmlns:p14="http://schemas.microsoft.com/office/powerpoint/2010/main" val="1117987228"/>
       </p:ext>
     </p:extLst>
   </p:cSld>
@@ -3682,7 +3682,7 @@
                   <a:pt x="0" y="0"/>
                 </a:moveTo>
                 <a:lnTo>
-                  <a:pt x="21596" y="21595"/>
+                  <a:pt x="21596" y="21594"/>
                 </a:lnTo>
               </a:path>
             </a:pathLst>
@@ -3817,7 +3817,7 @@
             <a:pathLst>
               <a:path w="21600" h="21600">
                 <a:moveTo>
-                  <a:pt x="21595" y="0"/>
+                  <a:pt x="21594" y="0"/>
                 </a:moveTo>
                 <a:lnTo>
                   <a:pt x="0" y="0"/>
@@ -3826,10 +3826,10 @@
                   <a:pt x="10083" y="21599"/>
                 </a:lnTo>
                 <a:lnTo>
-                  <a:pt x="21595" y="21599"/>
-                </a:lnTo>
-                <a:lnTo>
-                  <a:pt x="21595" y="0"/>
+                  <a:pt x="21594" y="21599"/>
+                </a:lnTo>
+                <a:lnTo>
+                  <a:pt x="21594" y="0"/>
                 </a:lnTo>
                 <a:close/>
               </a:path>
@@ -4349,7 +4349,7 @@
     </p:spTree>
     <p:extLst>
       <p:ext uri="{BB962C8B-B14F-4D97-AF65-F5344CB8AC3E}">
-        <p14:creationId xmlns:p14="http://schemas.microsoft.com/office/powerpoint/2010/main" val="200639272"/>
+        <p14:creationId xmlns:p14="http://schemas.microsoft.com/office/powerpoint/2010/main" val="948030729"/>
       </p:ext>
     </p:extLst>
   </p:cSld>
@@ -4519,7 +4519,7 @@
     </p:spTree>
     <p:extLst>
       <p:ext uri="{BB962C8B-B14F-4D97-AF65-F5344CB8AC3E}">
-        <p14:creationId xmlns:p14="http://schemas.microsoft.com/office/powerpoint/2010/main" val="1777391451"/>
+        <p14:creationId xmlns:p14="http://schemas.microsoft.com/office/powerpoint/2010/main" val="606554442"/>
       </p:ext>
     </p:extLst>
   </p:cSld>
@@ -4711,7 +4711,7 @@
     </p:spTree>
     <p:extLst>
       <p:ext uri="{BB962C8B-B14F-4D97-AF65-F5344CB8AC3E}">
-        <p14:creationId xmlns:p14="http://schemas.microsoft.com/office/powerpoint/2010/main" val="1720470534"/>
+        <p14:creationId xmlns:p14="http://schemas.microsoft.com/office/powerpoint/2010/main" val="586749619"/>
       </p:ext>
     </p:extLst>
   </p:cSld>
@@ -4999,7 +4999,7 @@
     </p:spTree>
     <p:extLst>
       <p:ext uri="{BB962C8B-B14F-4D97-AF65-F5344CB8AC3E}">
-        <p14:creationId xmlns:p14="http://schemas.microsoft.com/office/powerpoint/2010/main" val="458825074"/>
+        <p14:creationId xmlns:p14="http://schemas.microsoft.com/office/powerpoint/2010/main" val="1237144951"/>
       </p:ext>
     </p:extLst>
   </p:cSld>
@@ -5421,7 +5421,7 @@
     </p:spTree>
     <p:extLst>
       <p:ext uri="{BB962C8B-B14F-4D97-AF65-F5344CB8AC3E}">
-        <p14:creationId xmlns:p14="http://schemas.microsoft.com/office/powerpoint/2010/main" val="967047355"/>
+        <p14:creationId xmlns:p14="http://schemas.microsoft.com/office/powerpoint/2010/main" val="2133032962"/>
       </p:ext>
     </p:extLst>
   </p:cSld>
@@ -5539,7 +5539,7 @@
     </p:spTree>
     <p:extLst>
       <p:ext uri="{BB962C8B-B14F-4D97-AF65-F5344CB8AC3E}">
-        <p14:creationId xmlns:p14="http://schemas.microsoft.com/office/powerpoint/2010/main" val="1485005057"/>
+        <p14:creationId xmlns:p14="http://schemas.microsoft.com/office/powerpoint/2010/main" val="2100924853"/>
       </p:ext>
     </p:extLst>
   </p:cSld>
@@ -5634,7 +5634,7 @@
     </p:spTree>
     <p:extLst>
       <p:ext uri="{BB962C8B-B14F-4D97-AF65-F5344CB8AC3E}">
-        <p14:creationId xmlns:p14="http://schemas.microsoft.com/office/powerpoint/2010/main" val="180035793"/>
+        <p14:creationId xmlns:p14="http://schemas.microsoft.com/office/powerpoint/2010/main" val="881674221"/>
       </p:ext>
     </p:extLst>
   </p:cSld>
@@ -5911,7 +5911,7 @@
     </p:spTree>
     <p:extLst>
       <p:ext uri="{BB962C8B-B14F-4D97-AF65-F5344CB8AC3E}">
-        <p14:creationId xmlns:p14="http://schemas.microsoft.com/office/powerpoint/2010/main" val="798582658"/>
+        <p14:creationId xmlns:p14="http://schemas.microsoft.com/office/powerpoint/2010/main" val="928161007"/>
       </p:ext>
     </p:extLst>
   </p:cSld>
@@ -6164,7 +6164,7 @@
     </p:spTree>
     <p:extLst>
       <p:ext uri="{BB962C8B-B14F-4D97-AF65-F5344CB8AC3E}">
-        <p14:creationId xmlns:p14="http://schemas.microsoft.com/office/powerpoint/2010/main" val="267855723"/>
+        <p14:creationId xmlns:p14="http://schemas.microsoft.com/office/powerpoint/2010/main" val="1578697164"/>
       </p:ext>
     </p:extLst>
   </p:cSld>
@@ -6225,7 +6225,7 @@
                   <a:pt x="0" y="0"/>
                 </a:moveTo>
                 <a:lnTo>
-                  <a:pt x="21596" y="21595"/>
+                  <a:pt x="21596" y="21594"/>
                 </a:lnTo>
               </a:path>
             </a:pathLst>
@@ -6360,7 +6360,7 @@
             <a:pathLst>
               <a:path w="21600" h="21600">
                 <a:moveTo>
-                  <a:pt x="21595" y="0"/>
+                  <a:pt x="21594" y="0"/>
                 </a:moveTo>
                 <a:lnTo>
                   <a:pt x="0" y="0"/>
@@ -6369,10 +6369,10 @@
                   <a:pt x="10083" y="21599"/>
                 </a:lnTo>
                 <a:lnTo>
-                  <a:pt x="21595" y="21599"/>
-                </a:lnTo>
-                <a:lnTo>
-                  <a:pt x="21595" y="0"/>
+                  <a:pt x="21594" y="21599"/>
+                </a:lnTo>
+                <a:lnTo>
+                  <a:pt x="21594" y="0"/>
                 </a:lnTo>
                 <a:close/>
               </a:path>
@@ -6758,7 +6758,7 @@
         <p:spPr>
           <a:xfrm rot="0">
             <a:off x="609600" y="1577340"/>
-            <a:ext cx="10972800" cy="4526276"/>
+            <a:ext cx="10972800" cy="4526275"/>
           </a:xfrm>
           <a:prstGeom prst="rect"/>
           <a:noFill/>
@@ -6937,7 +6937,7 @@
     </p:spTree>
     <p:extLst>
       <p:ext uri="{BB962C8B-B14F-4D97-AF65-F5344CB8AC3E}">
-        <p14:creationId xmlns:p14="http://schemas.microsoft.com/office/powerpoint/2010/main" val="2113117039"/>
+        <p14:creationId xmlns:p14="http://schemas.microsoft.com/office/powerpoint/2010/main" val="1342625289"/>
       </p:ext>
     </p:extLst>
   </p:cSld>
@@ -7228,7 +7228,7 @@
             <a:pathLst>
               <a:path w="21600" h="21600">
                 <a:moveTo>
-                  <a:pt x="16938" y="0"/>
+                  <a:pt x="16937" y="0"/>
                 </a:moveTo>
                 <a:lnTo>
                   <a:pt x="4658" y="0"/>
@@ -7240,13 +7240,13 @@
                   <a:pt x="4658" y="21600"/>
                 </a:lnTo>
                 <a:lnTo>
-                  <a:pt x="16938" y="21600"/>
+                  <a:pt x="16937" y="21600"/>
                 </a:lnTo>
                 <a:lnTo>
                   <a:pt x="21600" y="10798"/>
                 </a:lnTo>
                 <a:lnTo>
-                  <a:pt x="16938" y="0"/>
+                  <a:pt x="16937" y="0"/>
                 </a:lnTo>
                 <a:close/>
               </a:path>
@@ -7508,7 +7508,7 @@
         <p:spPr>
           <a:xfrm rot="0">
             <a:off x="624083" y="3314150"/>
-            <a:ext cx="10541058" cy="1901189"/>
+            <a:ext cx="9503856" cy="2263140"/>
           </a:xfrm>
           <a:prstGeom prst="rect"/>
           <a:noFill/>
@@ -7612,7 +7612,18 @@
                 <a:ea typeface="宋体" pitchFamily="0" charset="0"/>
                 <a:cs typeface="Calibri" pitchFamily="0" charset="0"/>
               </a:rPr>
-              <a:t> 312213490, unm1455251122619</a:t>
+              <a:t> 312213490, </a:t>
+            </a:r>
+            <a:r>
+              <a:rPr lang="en-US" altLang="zh-CN" sz="2400" b="0" i="0" u="none" strike="noStrike" kern="1200" cap="none" spc="0" baseline="0">
+                <a:solidFill>
+                  <a:schemeClr val="tx1"/>
+                </a:solidFill>
+                <a:latin typeface="Calibri" pitchFamily="0" charset="0"/>
+                <a:ea typeface="宋体" pitchFamily="0" charset="0"/>
+                <a:cs typeface="Calibri" pitchFamily="0" charset="0"/>
+              </a:rPr>
+              <a:t>EDAFE98B499D749AFE4497DC02CA2B29</a:t>
             </a:r>
             <a:endParaRPr lang="en-US" altLang="zh-CN" sz="2400" b="0" i="0" u="none" strike="noStrike" kern="1200" cap="none" spc="0" baseline="0">
               <a:solidFill>
@@ -7749,7 +7760,7 @@
     </p:spTree>
     <p:extLst>
       <p:ext uri="{BB962C8B-B14F-4D97-AF65-F5344CB8AC3E}">
-        <p14:creationId xmlns:p14="http://schemas.microsoft.com/office/powerpoint/2010/main" val="284021647"/>
+        <p14:creationId xmlns:p14="http://schemas.microsoft.com/office/powerpoint/2010/main" val="1644250871"/>
       </p:ext>
     </p:extLst>
   </p:cSld>
@@ -8390,7 +8401,7 @@
     </p:spTree>
     <p:extLst>
       <p:ext uri="{BB962C8B-B14F-4D97-AF65-F5344CB8AC3E}">
-        <p14:creationId xmlns:p14="http://schemas.microsoft.com/office/powerpoint/2010/main" val="1722742919"/>
+        <p14:creationId xmlns:p14="http://schemas.microsoft.com/office/powerpoint/2010/main" val="1516217626"/>
       </p:ext>
     </p:extLst>
   </p:cSld>
@@ -8791,8 +8802,8 @@
       </p:sp>
       <p:sp>
         <p:nvSpPr>
-          <p:cNvPr id="204" name="文本框"/>
-          <p:cNvSpPr txBox="1">
+          <p:cNvPr id="197" name="矩形"/>
+          <p:cNvSpPr>
             <a:spLocks/>
           </p:cNvSpPr>
           <p:nvPr/>
@@ -8810,39 +8821,10 @@
             <a:miter/>
           </a:ln>
         </p:spPr>
-        <p:txBody>
-          <a:bodyPr vert="horz" wrap="square" lIns="91440" tIns="45720" rIns="91440" bIns="45720" anchor="t" anchorCtr="0">
-            <a:prstTxWarp prst="textNoShape"/>
-            <a:spAutoFit/>
-          </a:bodyPr>
-          <a:lstStyle/>
-          <a:p>
-            <a:pPr marL="0" indent="0" algn="l">
-              <a:lnSpc>
-                <a:spcPct val="100000"/>
-              </a:lnSpc>
-              <a:spcBef>
-                <a:spcPts val="0"/>
-              </a:spcBef>
-              <a:spcAft>
-                <a:spcPts val="0"/>
-              </a:spcAft>
-              <a:buNone/>
-            </a:pPr>
-            <a:endParaRPr lang="zh-CN" altLang="en-US" sz="1800" b="0" i="0" u="none" strike="noStrike" kern="1200" cap="none" spc="0" baseline="0">
-              <a:solidFill>
-                <a:schemeClr val="tx1"/>
-              </a:solidFill>
-              <a:latin typeface="Droid Sans" pitchFamily="0" charset="0"/>
-              <a:ea typeface="宋体" pitchFamily="0" charset="0"/>
-              <a:cs typeface="Lucida Sans" pitchFamily="0" charset="0"/>
-            </a:endParaRPr>
-          </a:p>
-        </p:txBody>
       </p:sp>
       <p:pic>
         <p:nvPicPr>
-          <p:cNvPr id="205" name="图片"/>
+          <p:cNvPr id="198" name="图片"/>
           <p:cNvPicPr>
             <a:picLocks noChangeAspect="1"/>
           </p:cNvPicPr>
@@ -8856,7 +8838,7 @@
         </p:blipFill>
         <p:spPr>
           <a:xfrm rot="0">
-            <a:off x="1123932" y="1990694"/>
+            <a:off x="1123932" y="1990693"/>
             <a:ext cx="6878825" cy="4547983"/>
           </a:xfrm>
           <a:prstGeom prst="rect"/>
@@ -8871,7 +8853,7 @@
     </p:spTree>
     <p:extLst>
       <p:ext uri="{BB962C8B-B14F-4D97-AF65-F5344CB8AC3E}">
-        <p14:creationId xmlns:p14="http://schemas.microsoft.com/office/powerpoint/2010/main" val="1917486125"/>
+        <p14:creationId xmlns:p14="http://schemas.microsoft.com/office/powerpoint/2010/main" val="1479515226"/>
       </p:ext>
     </p:extLst>
   </p:cSld>
@@ -8907,7 +8889,7 @@
       </p:grpSpPr>
       <p:sp>
         <p:nvSpPr>
-          <p:cNvPr id="199" name="文本框"/>
+          <p:cNvPr id="201" name="文本框"/>
           <p:cNvSpPr>
             <a:spLocks noGrp="1"/>
           </p:cNvSpPr>
@@ -8971,7 +8953,7 @@
     </p:spTree>
     <p:extLst>
       <p:ext uri="{BB962C8B-B14F-4D97-AF65-F5344CB8AC3E}">
-        <p14:creationId xmlns:p14="http://schemas.microsoft.com/office/powerpoint/2010/main" val="139383391"/>
+        <p14:creationId xmlns:p14="http://schemas.microsoft.com/office/powerpoint/2010/main" val="75247933"/>
       </p:ext>
     </p:extLst>
   </p:cSld>
@@ -9100,7 +9082,7 @@
                     <a:pt x="0" y="0"/>
                   </a:moveTo>
                   <a:lnTo>
-                    <a:pt x="21596" y="21595"/>
+                    <a:pt x="21596" y="21594"/>
                   </a:lnTo>
                 </a:path>
               </a:pathLst>
@@ -9235,7 +9217,7 @@
               <a:pathLst>
                 <a:path w="21600" h="21600">
                   <a:moveTo>
-                    <a:pt x="21595" y="0"/>
+                    <a:pt x="21594" y="0"/>
                   </a:moveTo>
                   <a:lnTo>
                     <a:pt x="0" y="0"/>
@@ -9244,10 +9226,10 @@
                     <a:pt x="10083" y="21599"/>
                   </a:lnTo>
                   <a:lnTo>
-                    <a:pt x="21595" y="21599"/>
+                    <a:pt x="21594" y="21599"/>
                   </a:lnTo>
                   <a:lnTo>
-                    <a:pt x="21595" y="0"/>
+                    <a:pt x="21594" y="0"/>
                   </a:lnTo>
                   <a:close/>
                 </a:path>
@@ -10025,7 +10007,7 @@
     </p:spTree>
     <p:extLst>
       <p:ext uri="{BB962C8B-B14F-4D97-AF65-F5344CB8AC3E}">
-        <p14:creationId xmlns:p14="http://schemas.microsoft.com/office/powerpoint/2010/main" val="1878645692"/>
+        <p14:creationId xmlns:p14="http://schemas.microsoft.com/office/powerpoint/2010/main" val="1158860730"/>
       </p:ext>
     </p:extLst>
   </p:cSld>
@@ -10089,10 +10071,10 @@
                   <a:pt x="0" y="0"/>
                 </a:lnTo>
                 <a:lnTo>
-                  <a:pt x="0" y="21596"/>
-                </a:lnTo>
-                <a:lnTo>
-                  <a:pt x="21599" y="21596"/>
+                  <a:pt x="0" y="21595"/>
+                </a:lnTo>
+                <a:lnTo>
+                  <a:pt x="21599" y="21595"/>
                 </a:lnTo>
                 <a:lnTo>
                   <a:pt x="21599" y="0"/>
@@ -10154,7 +10136,7 @@
                     <a:pt x="0" y="0"/>
                   </a:moveTo>
                   <a:lnTo>
-                    <a:pt x="21596" y="21595"/>
+                    <a:pt x="21596" y="21594"/>
                   </a:lnTo>
                 </a:path>
               </a:pathLst>
@@ -10289,7 +10271,7 @@
               <a:pathLst>
                 <a:path w="21600" h="21600">
                   <a:moveTo>
-                    <a:pt x="21595" y="0"/>
+                    <a:pt x="21594" y="0"/>
                   </a:moveTo>
                   <a:lnTo>
                     <a:pt x="0" y="0"/>
@@ -10298,10 +10280,10 @@
                     <a:pt x="10083" y="21599"/>
                   </a:lnTo>
                   <a:lnTo>
-                    <a:pt x="21595" y="21599"/>
+                    <a:pt x="21594" y="21599"/>
                   </a:lnTo>
                   <a:lnTo>
-                    <a:pt x="21595" y="0"/>
+                    <a:pt x="21594" y="0"/>
                   </a:lnTo>
                   <a:close/>
                 </a:path>
@@ -10873,7 +10855,7 @@
                   <a:pt x="5349" y="1474"/>
                 </a:lnTo>
                 <a:lnTo>
-                  <a:pt x="3160" y="3161"/>
+                  <a:pt x="3159" y="3161"/>
                 </a:lnTo>
                 <a:lnTo>
                   <a:pt x="1473" y="5347"/>
@@ -10891,7 +10873,7 @@
                   <a:pt x="1473" y="16250"/>
                 </a:lnTo>
                 <a:lnTo>
-                  <a:pt x="3160" y="18436"/>
+                  <a:pt x="3159" y="18436"/>
                 </a:lnTo>
                 <a:lnTo>
                   <a:pt x="5349" y="20124"/>
@@ -10988,16 +10970,16 @@
                   <a:pt x="6245" y="1003"/>
                 </a:lnTo>
                 <a:lnTo>
-                  <a:pt x="4916" y="1739"/>
-                </a:lnTo>
-                <a:lnTo>
-                  <a:pt x="3711" y="2648"/>
+                  <a:pt x="4915" y="1739"/>
+                </a:lnTo>
+                <a:lnTo>
+                  <a:pt x="3710" y="2648"/>
                 </a:lnTo>
                 <a:lnTo>
                   <a:pt x="2649" y="3713"/>
                 </a:lnTo>
                 <a:lnTo>
-                  <a:pt x="1740" y="4916"/>
+                  <a:pt x="1740" y="4915"/>
                 </a:lnTo>
                 <a:lnTo>
                   <a:pt x="1002" y="6246"/>
@@ -11027,10 +11009,10 @@
                   <a:pt x="2649" y="17883"/>
                 </a:lnTo>
                 <a:lnTo>
-                  <a:pt x="3711" y="18950"/>
-                </a:lnTo>
-                <a:lnTo>
-                  <a:pt x="4916" y="19857"/>
+                  <a:pt x="3710" y="18950"/>
+                </a:lnTo>
+                <a:lnTo>
+                  <a:pt x="4915" y="19857"/>
                 </a:lnTo>
                 <a:lnTo>
                   <a:pt x="6245" y="20596"/>
@@ -11045,7 +11027,7 @@
                   <a:pt x="10800" y="21600"/>
                 </a:lnTo>
                 <a:lnTo>
-                  <a:pt x="12392" y="21481"/>
+                  <a:pt x="12391" y="21481"/>
                 </a:lnTo>
                 <a:lnTo>
                   <a:pt x="13916" y="21142"/>
@@ -11069,7 +11051,7 @@
                   <a:pt x="20592" y="15352"/>
                 </a:lnTo>
                 <a:lnTo>
-                  <a:pt x="21139" y="13916"/>
+                  <a:pt x="21138" y="13916"/>
                 </a:lnTo>
                 <a:lnTo>
                   <a:pt x="21482" y="12395"/>
@@ -11081,13 +11063,13 @@
                   <a:pt x="21482" y="9201"/>
                 </a:lnTo>
                 <a:lnTo>
-                  <a:pt x="21139" y="7680"/>
+                  <a:pt x="21138" y="7680"/>
                 </a:lnTo>
                 <a:lnTo>
                   <a:pt x="20592" y="6246"/>
                 </a:lnTo>
                 <a:lnTo>
-                  <a:pt x="19858" y="4916"/>
+                  <a:pt x="19858" y="4915"/>
                 </a:lnTo>
                 <a:lnTo>
                   <a:pt x="18950" y="3713"/>
@@ -11105,7 +11087,7 @@
                   <a:pt x="13916" y="455"/>
                 </a:lnTo>
                 <a:lnTo>
-                  <a:pt x="12392" y="117"/>
+                  <a:pt x="12391" y="117"/>
                 </a:lnTo>
                 <a:lnTo>
                   <a:pt x="10800" y="0"/>
@@ -11756,7 +11738,7 @@
     </p:spTree>
     <p:extLst>
       <p:ext uri="{BB962C8B-B14F-4D97-AF65-F5344CB8AC3E}">
-        <p14:creationId xmlns:p14="http://schemas.microsoft.com/office/powerpoint/2010/main" val="114268541"/>
+        <p14:creationId xmlns:p14="http://schemas.microsoft.com/office/powerpoint/2010/main" val="1251712696"/>
       </p:ext>
     </p:extLst>
   </p:cSld>
@@ -12731,7 +12713,7 @@
     </p:spTree>
     <p:extLst>
       <p:ext uri="{BB962C8B-B14F-4D97-AF65-F5344CB8AC3E}">
-        <p14:creationId xmlns:p14="http://schemas.microsoft.com/office/powerpoint/2010/main" val="1822630302"/>
+        <p14:creationId xmlns:p14="http://schemas.microsoft.com/office/powerpoint/2010/main" val="1788994004"/>
       </p:ext>
     </p:extLst>
   </p:cSld>
@@ -12938,7 +12920,7 @@
             <a:pathLst>
               <a:path w="21600" h="21600">
                 <a:moveTo>
-                  <a:pt x="21600" y="0"/>
+                  <a:pt x="21599" y="0"/>
                 </a:moveTo>
                 <a:lnTo>
                   <a:pt x="0" y="0"/>
@@ -12947,10 +12929,10 @@
                   <a:pt x="0" y="21599"/>
                 </a:lnTo>
                 <a:lnTo>
-                  <a:pt x="21600" y="21599"/>
-                </a:lnTo>
-                <a:lnTo>
-                  <a:pt x="21600" y="0"/>
+                  <a:pt x="21599" y="21599"/>
+                </a:lnTo>
+                <a:lnTo>
+                  <a:pt x="21599" y="0"/>
                 </a:lnTo>
                 <a:close/>
               </a:path>
@@ -13338,7 +13320,7 @@
         <p:spPr>
           <a:xfrm rot="5983">
             <a:off x="552441" y="4076638"/>
-            <a:ext cx="4762425" cy="891540"/>
+            <a:ext cx="4762424" cy="891540"/>
           </a:xfrm>
           <a:prstGeom prst="rect"/>
           <a:noFill/>
@@ -13476,7 +13458,7 @@
     </p:spTree>
     <p:extLst>
       <p:ext uri="{BB962C8B-B14F-4D97-AF65-F5344CB8AC3E}">
-        <p14:creationId xmlns:p14="http://schemas.microsoft.com/office/powerpoint/2010/main" val="244052523"/>
+        <p14:creationId xmlns:p14="http://schemas.microsoft.com/office/powerpoint/2010/main" val="327633715"/>
       </p:ext>
     </p:extLst>
   </p:cSld>
@@ -14250,7 +14232,7 @@
     </p:spTree>
     <p:extLst>
       <p:ext uri="{BB962C8B-B14F-4D97-AF65-F5344CB8AC3E}">
-        <p14:creationId xmlns:p14="http://schemas.microsoft.com/office/powerpoint/2010/main" val="223462237"/>
+        <p14:creationId xmlns:p14="http://schemas.microsoft.com/office/powerpoint/2010/main" val="791161037"/>
       </p:ext>
     </p:extLst>
   </p:cSld>
@@ -15282,7 +15264,7 @@
     </p:spTree>
     <p:extLst>
       <p:ext uri="{BB962C8B-B14F-4D97-AF65-F5344CB8AC3E}">
-        <p14:creationId xmlns:p14="http://schemas.microsoft.com/office/powerpoint/2010/main" val="1616990730"/>
+        <p14:creationId xmlns:p14="http://schemas.microsoft.com/office/powerpoint/2010/main" val="1242696019"/>
       </p:ext>
     </p:extLst>
   </p:cSld>
@@ -15390,7 +15372,7 @@
         <p:spPr>
           <a:xfrm rot="10797632">
             <a:off x="2853662" y="1849598"/>
-            <a:ext cx="4688229" cy="272414"/>
+            <a:ext cx="4688229" cy="272413"/>
           </a:xfrm>
           <a:prstGeom prst="rect"/>
           <a:noFill/>
@@ -15412,7 +15394,7 @@
         <p:spPr>
           <a:xfrm rot="33202">
             <a:off x="766178" y="2064092"/>
-            <a:ext cx="4690625" cy="3596870"/>
+            <a:ext cx="4690624" cy="3596869"/>
           </a:xfrm>
           <a:prstGeom prst="rect"/>
           <a:noFill/>
@@ -15795,7 +15777,7 @@
     </p:spTree>
     <p:extLst>
       <p:ext uri="{BB962C8B-B14F-4D97-AF65-F5344CB8AC3E}">
-        <p14:creationId xmlns:p14="http://schemas.microsoft.com/office/powerpoint/2010/main" val="2041875871"/>
+        <p14:creationId xmlns:p14="http://schemas.microsoft.com/office/powerpoint/2010/main" val="1670508761"/>
       </p:ext>
     </p:extLst>
   </p:cSld>
@@ -16531,7 +16513,7 @@
     </p:spTree>
     <p:extLst>
       <p:ext uri="{BB962C8B-B14F-4D97-AF65-F5344CB8AC3E}">
-        <p14:creationId xmlns:p14="http://schemas.microsoft.com/office/powerpoint/2010/main" val="144626710"/>
+        <p14:creationId xmlns:p14="http://schemas.microsoft.com/office/powerpoint/2010/main" val="1845672700"/>
       </p:ext>
     </p:extLst>
   </p:cSld>
